--- a/PPT/Materi Perkuliahan Artificial Intelligence 1.pptx
+++ b/PPT/Materi Perkuliahan Artificial Intelligence 1.pptx
@@ -7,6 +7,8 @@
   <p:sldIdLst>
     <p:sldId id="257" r:id="rId2"/>
     <p:sldId id="258" r:id="rId3"/>
+    <p:sldId id="259" r:id="rId4"/>
+    <p:sldId id="260" r:id="rId5"/>
   </p:sldIdLst>
   <p:sldSz cx="12192000" cy="6858000"/>
   <p:notesSz cx="6858000" cy="9144000"/>
@@ -105,6 +107,11 @@
       </a:defRPr>
     </a:lvl9pPr>
   </p:defaultTextStyle>
+  <p:extLst>
+    <p:ext uri="{EFAFB233-063F-42B5-8137-9DF3F51BA10A}">
+      <p15:sldGuideLst xmlns:p15="http://schemas.microsoft.com/office/powerpoint/2012/main"/>
+    </p:ext>
+  </p:extLst>
 </p:presentation>
 </file>
 
@@ -1336,6 +1343,13 @@
         </dgm:presLayoutVars>
       </dgm:prSet>
       <dgm:spPr/>
+      <dgm:t>
+        <a:bodyPr/>
+        <a:lstStyle/>
+        <a:p>
+          <a:endParaRPr lang="en-US"/>
+        </a:p>
+      </dgm:t>
     </dgm:pt>
     <dgm:pt modelId="{23911CC9-8396-4598-B89C-77E0AB85EE67}" type="pres">
       <dgm:prSet presAssocID="{F3FE226E-91B4-48E1-A894-2F3B67945EDA}" presName="node" presStyleLbl="node1" presStyleIdx="0" presStyleCnt="8">
@@ -1344,6 +1358,13 @@
         </dgm:presLayoutVars>
       </dgm:prSet>
       <dgm:spPr/>
+      <dgm:t>
+        <a:bodyPr/>
+        <a:lstStyle/>
+        <a:p>
+          <a:endParaRPr lang="en-US"/>
+        </a:p>
+      </dgm:t>
     </dgm:pt>
     <dgm:pt modelId="{804DF300-EAA3-4981-9B44-AF867F911989}" type="pres">
       <dgm:prSet presAssocID="{E0109F83-4450-4E9C-8738-DFA2574E0021}" presName="sibTrans" presStyleCnt="0"/>
@@ -1356,6 +1377,13 @@
         </dgm:presLayoutVars>
       </dgm:prSet>
       <dgm:spPr/>
+      <dgm:t>
+        <a:bodyPr/>
+        <a:lstStyle/>
+        <a:p>
+          <a:endParaRPr lang="en-US"/>
+        </a:p>
+      </dgm:t>
     </dgm:pt>
     <dgm:pt modelId="{7E4B9B59-14A7-4F61-8B08-2CF26C62DC03}" type="pres">
       <dgm:prSet presAssocID="{F71DFDDE-BEB6-4DBE-9665-EC42E6377A3F}" presName="sibTrans" presStyleCnt="0"/>
@@ -1368,6 +1396,13 @@
         </dgm:presLayoutVars>
       </dgm:prSet>
       <dgm:spPr/>
+      <dgm:t>
+        <a:bodyPr/>
+        <a:lstStyle/>
+        <a:p>
+          <a:endParaRPr lang="en-US"/>
+        </a:p>
+      </dgm:t>
     </dgm:pt>
     <dgm:pt modelId="{3E114E1B-2178-4E3C-A04B-8D2FEF4B4970}" type="pres">
       <dgm:prSet presAssocID="{49B4569E-2EEC-497C-B0B4-62A395538EFF}" presName="sibTrans" presStyleCnt="0"/>
@@ -1380,6 +1415,13 @@
         </dgm:presLayoutVars>
       </dgm:prSet>
       <dgm:spPr/>
+      <dgm:t>
+        <a:bodyPr/>
+        <a:lstStyle/>
+        <a:p>
+          <a:endParaRPr lang="en-US"/>
+        </a:p>
+      </dgm:t>
     </dgm:pt>
     <dgm:pt modelId="{53B548E3-63B0-41FA-8E7B-542277FFF9D9}" type="pres">
       <dgm:prSet presAssocID="{B2940CCE-5BA5-4F66-BA60-8944A48EF419}" presName="sibTrans" presStyleCnt="0"/>
@@ -1392,6 +1434,13 @@
         </dgm:presLayoutVars>
       </dgm:prSet>
       <dgm:spPr/>
+      <dgm:t>
+        <a:bodyPr/>
+        <a:lstStyle/>
+        <a:p>
+          <a:endParaRPr lang="en-US"/>
+        </a:p>
+      </dgm:t>
     </dgm:pt>
     <dgm:pt modelId="{46DDC338-818E-4444-97D8-13D6AB0A1135}" type="pres">
       <dgm:prSet presAssocID="{5036392E-176F-4447-885D-0DB9D1B90B5A}" presName="sibTrans" presStyleCnt="0"/>
@@ -1404,6 +1453,13 @@
         </dgm:presLayoutVars>
       </dgm:prSet>
       <dgm:spPr/>
+      <dgm:t>
+        <a:bodyPr/>
+        <a:lstStyle/>
+        <a:p>
+          <a:endParaRPr lang="en-US"/>
+        </a:p>
+      </dgm:t>
     </dgm:pt>
     <dgm:pt modelId="{7E75702C-AE0E-4719-A23C-162C6939ABB4}" type="pres">
       <dgm:prSet presAssocID="{33451B04-841F-474B-859D-C4FA53A22F1E}" presName="sibTrans" presStyleCnt="0"/>
@@ -1416,6 +1472,13 @@
         </dgm:presLayoutVars>
       </dgm:prSet>
       <dgm:spPr/>
+      <dgm:t>
+        <a:bodyPr/>
+        <a:lstStyle/>
+        <a:p>
+          <a:endParaRPr lang="en-US"/>
+        </a:p>
+      </dgm:t>
     </dgm:pt>
     <dgm:pt modelId="{23423390-0481-4875-9651-D21DD67A8652}" type="pres">
       <dgm:prSet presAssocID="{6344CE56-071D-47F6-97A5-8DD26D17812F}" presName="sibTrans" presStyleCnt="0"/>
@@ -1428,26 +1491,33 @@
         </dgm:presLayoutVars>
       </dgm:prSet>
       <dgm:spPr/>
+      <dgm:t>
+        <a:bodyPr/>
+        <a:lstStyle/>
+        <a:p>
+          <a:endParaRPr lang="en-US"/>
+        </a:p>
+      </dgm:t>
     </dgm:pt>
   </dgm:ptLst>
   <dgm:cxnLst>
+    <dgm:cxn modelId="{7B83BBC4-411F-4B33-829F-A1A5A77F3D1F}" srcId="{2021F988-A031-48B6-8708-4AD3866F56BD}" destId="{1703DD36-FBED-452C-9D9D-2FCD3F700F33}" srcOrd="7" destOrd="0" parTransId="{B135F138-7C31-41C3-9C06-936C07E172AB}" sibTransId="{7C401975-A2E0-48C3-9C43-10C9E35D5AA3}"/>
+    <dgm:cxn modelId="{2920C831-120C-415C-86D3-4733D844F87A}" type="presOf" srcId="{C3B869C8-A579-425E-972C-4532C2292132}" destId="{9819DFBF-81B3-4160-BE70-BC7079EE050B}" srcOrd="0" destOrd="0" presId="urn:microsoft.com/office/officeart/2005/8/layout/default"/>
+    <dgm:cxn modelId="{D65DDA42-8389-4450-ACD3-52CA9E85DA06}" type="presOf" srcId="{D713A896-C800-4767-BCF4-250B74BFE287}" destId="{6964D6A1-E792-44B3-AB7F-2397726D3B06}" srcOrd="0" destOrd="0" presId="urn:microsoft.com/office/officeart/2005/8/layout/default"/>
+    <dgm:cxn modelId="{D3128078-0D33-40B8-A0C4-C17CC3DEC150}" srcId="{2021F988-A031-48B6-8708-4AD3866F56BD}" destId="{43C48448-D825-4456-92D4-49936F54BFB0}" srcOrd="4" destOrd="0" parTransId="{FB83D623-1F73-4341-816D-D2F0D71B0FA2}" sibTransId="{5036392E-176F-4447-885D-0DB9D1B90B5A}"/>
+    <dgm:cxn modelId="{859BB14E-C257-4C67-BE87-051FFCD768BE}" type="presOf" srcId="{F3FE226E-91B4-48E1-A894-2F3B67945EDA}" destId="{23911CC9-8396-4598-B89C-77E0AB85EE67}" srcOrd="0" destOrd="0" presId="urn:microsoft.com/office/officeart/2005/8/layout/default"/>
+    <dgm:cxn modelId="{8211E79B-688A-463D-9234-4BAFE39D5245}" type="presOf" srcId="{43C48448-D825-4456-92D4-49936F54BFB0}" destId="{B71DF74B-0BCF-419C-9FC7-7F37094E8831}" srcOrd="0" destOrd="0" presId="urn:microsoft.com/office/officeart/2005/8/layout/default"/>
+    <dgm:cxn modelId="{767455E7-6658-4088-A4F2-042C90CBF34C}" type="presOf" srcId="{0BAF732C-5CD4-4F05-BF6B-A791F7044558}" destId="{8CD99E4C-42F1-449A-8B43-5EDC21C442E5}" srcOrd="0" destOrd="0" presId="urn:microsoft.com/office/officeart/2005/8/layout/default"/>
+    <dgm:cxn modelId="{D062B50D-37C0-4B48-8E60-F03714F4F3DA}" type="presOf" srcId="{2021F988-A031-48B6-8708-4AD3866F56BD}" destId="{C49AF279-256D-4278-91E4-6671946DD2C1}" srcOrd="0" destOrd="0" presId="urn:microsoft.com/office/officeart/2005/8/layout/default"/>
+    <dgm:cxn modelId="{CB4D104A-7FDC-4E40-8BCB-12E07B0E719A}" type="presOf" srcId="{50099D8F-C145-4388-9B12-B26AA7EC4E94}" destId="{ABF9D246-CB04-41BD-B50F-41F3D9A70330}" srcOrd="0" destOrd="0" presId="urn:microsoft.com/office/officeart/2005/8/layout/default"/>
+    <dgm:cxn modelId="{8DDF5E62-872D-44AB-B7C0-A97A461F1812}" type="presOf" srcId="{2DA1E22A-3501-496B-8666-3782D7B4EDCA}" destId="{20E3A43B-D6E1-4916-A0EF-2A22FBB2E2A1}" srcOrd="0" destOrd="0" presId="urn:microsoft.com/office/officeart/2005/8/layout/default"/>
+    <dgm:cxn modelId="{908FF6E7-2FDB-4ACC-BB6D-EE19CEC56B53}" srcId="{2021F988-A031-48B6-8708-4AD3866F56BD}" destId="{0BAF732C-5CD4-4F05-BF6B-A791F7044558}" srcOrd="6" destOrd="0" parTransId="{54A49B06-3364-47C4-91B0-4DCD6A12585C}" sibTransId="{6344CE56-071D-47F6-97A5-8DD26D17812F}"/>
+    <dgm:cxn modelId="{BD209FB6-21A1-4164-AE94-A76C544240B7}" type="presOf" srcId="{1703DD36-FBED-452C-9D9D-2FCD3F700F33}" destId="{8AABC862-2CEE-41BD-AA18-E00659B7EF5F}" srcOrd="0" destOrd="0" presId="urn:microsoft.com/office/officeart/2005/8/layout/default"/>
+    <dgm:cxn modelId="{23C4E23F-A514-4B16-9C07-67EBF02DFA9F}" srcId="{2021F988-A031-48B6-8708-4AD3866F56BD}" destId="{D713A896-C800-4767-BCF4-250B74BFE287}" srcOrd="2" destOrd="0" parTransId="{ECCF7CF5-3D8D-4C8C-BCB4-61B0FD75E444}" sibTransId="{49B4569E-2EEC-497C-B0B4-62A395538EFF}"/>
+    <dgm:cxn modelId="{64A33AD5-8441-4636-AEE3-29787935344E}" srcId="{2021F988-A031-48B6-8708-4AD3866F56BD}" destId="{2DA1E22A-3501-496B-8666-3782D7B4EDCA}" srcOrd="5" destOrd="0" parTransId="{FF94AEF2-70CD-4183-988C-7E81BC774344}" sibTransId="{33451B04-841F-474B-859D-C4FA53A22F1E}"/>
+    <dgm:cxn modelId="{03BA219C-347A-4CA5-8DBD-3C5344CC1051}" srcId="{2021F988-A031-48B6-8708-4AD3866F56BD}" destId="{50099D8F-C145-4388-9B12-B26AA7EC4E94}" srcOrd="1" destOrd="0" parTransId="{16D71F9A-F110-4522-8E0D-7394E79E669C}" sibTransId="{F71DFDDE-BEB6-4DBE-9665-EC42E6377A3F}"/>
     <dgm:cxn modelId="{3E8085CB-A428-4848-9185-E0402251CA1E}" srcId="{2021F988-A031-48B6-8708-4AD3866F56BD}" destId="{C3B869C8-A579-425E-972C-4532C2292132}" srcOrd="3" destOrd="0" parTransId="{1F0DD086-AF47-4380-9CB3-54ACA4C3C538}" sibTransId="{B2940CCE-5BA5-4F66-BA60-8944A48EF419}"/>
     <dgm:cxn modelId="{5426C45C-29E4-43B3-8996-4BCA500E1562}" srcId="{2021F988-A031-48B6-8708-4AD3866F56BD}" destId="{F3FE226E-91B4-48E1-A894-2F3B67945EDA}" srcOrd="0" destOrd="0" parTransId="{1FE947AC-2DB9-462D-942B-54EAD976AF54}" sibTransId="{E0109F83-4450-4E9C-8738-DFA2574E0021}"/>
-    <dgm:cxn modelId="{CB4D104A-7FDC-4E40-8BCB-12E07B0E719A}" type="presOf" srcId="{50099D8F-C145-4388-9B12-B26AA7EC4E94}" destId="{ABF9D246-CB04-41BD-B50F-41F3D9A70330}" srcOrd="0" destOrd="0" presId="urn:microsoft.com/office/officeart/2005/8/layout/default"/>
-    <dgm:cxn modelId="{767455E7-6658-4088-A4F2-042C90CBF34C}" type="presOf" srcId="{0BAF732C-5CD4-4F05-BF6B-A791F7044558}" destId="{8CD99E4C-42F1-449A-8B43-5EDC21C442E5}" srcOrd="0" destOrd="0" presId="urn:microsoft.com/office/officeart/2005/8/layout/default"/>
-    <dgm:cxn modelId="{8DDF5E62-872D-44AB-B7C0-A97A461F1812}" type="presOf" srcId="{2DA1E22A-3501-496B-8666-3782D7B4EDCA}" destId="{20E3A43B-D6E1-4916-A0EF-2A22FBB2E2A1}" srcOrd="0" destOrd="0" presId="urn:microsoft.com/office/officeart/2005/8/layout/default"/>
-    <dgm:cxn modelId="{D062B50D-37C0-4B48-8E60-F03714F4F3DA}" type="presOf" srcId="{2021F988-A031-48B6-8708-4AD3866F56BD}" destId="{C49AF279-256D-4278-91E4-6671946DD2C1}" srcOrd="0" destOrd="0" presId="urn:microsoft.com/office/officeart/2005/8/layout/default"/>
-    <dgm:cxn modelId="{7B83BBC4-411F-4B33-829F-A1A5A77F3D1F}" srcId="{2021F988-A031-48B6-8708-4AD3866F56BD}" destId="{1703DD36-FBED-452C-9D9D-2FCD3F700F33}" srcOrd="7" destOrd="0" parTransId="{B135F138-7C31-41C3-9C06-936C07E172AB}" sibTransId="{7C401975-A2E0-48C3-9C43-10C9E35D5AA3}"/>
-    <dgm:cxn modelId="{03BA219C-347A-4CA5-8DBD-3C5344CC1051}" srcId="{2021F988-A031-48B6-8708-4AD3866F56BD}" destId="{50099D8F-C145-4388-9B12-B26AA7EC4E94}" srcOrd="1" destOrd="0" parTransId="{16D71F9A-F110-4522-8E0D-7394E79E669C}" sibTransId="{F71DFDDE-BEB6-4DBE-9665-EC42E6377A3F}"/>
-    <dgm:cxn modelId="{908FF6E7-2FDB-4ACC-BB6D-EE19CEC56B53}" srcId="{2021F988-A031-48B6-8708-4AD3866F56BD}" destId="{0BAF732C-5CD4-4F05-BF6B-A791F7044558}" srcOrd="6" destOrd="0" parTransId="{54A49B06-3364-47C4-91B0-4DCD6A12585C}" sibTransId="{6344CE56-071D-47F6-97A5-8DD26D17812F}"/>
-    <dgm:cxn modelId="{8211E79B-688A-463D-9234-4BAFE39D5245}" type="presOf" srcId="{43C48448-D825-4456-92D4-49936F54BFB0}" destId="{B71DF74B-0BCF-419C-9FC7-7F37094E8831}" srcOrd="0" destOrd="0" presId="urn:microsoft.com/office/officeart/2005/8/layout/default"/>
-    <dgm:cxn modelId="{BD209FB6-21A1-4164-AE94-A76C544240B7}" type="presOf" srcId="{1703DD36-FBED-452C-9D9D-2FCD3F700F33}" destId="{8AABC862-2CEE-41BD-AA18-E00659B7EF5F}" srcOrd="0" destOrd="0" presId="urn:microsoft.com/office/officeart/2005/8/layout/default"/>
-    <dgm:cxn modelId="{D3128078-0D33-40B8-A0C4-C17CC3DEC150}" srcId="{2021F988-A031-48B6-8708-4AD3866F56BD}" destId="{43C48448-D825-4456-92D4-49936F54BFB0}" srcOrd="4" destOrd="0" parTransId="{FB83D623-1F73-4341-816D-D2F0D71B0FA2}" sibTransId="{5036392E-176F-4447-885D-0DB9D1B90B5A}"/>
-    <dgm:cxn modelId="{64A33AD5-8441-4636-AEE3-29787935344E}" srcId="{2021F988-A031-48B6-8708-4AD3866F56BD}" destId="{2DA1E22A-3501-496B-8666-3782D7B4EDCA}" srcOrd="5" destOrd="0" parTransId="{FF94AEF2-70CD-4183-988C-7E81BC774344}" sibTransId="{33451B04-841F-474B-859D-C4FA53A22F1E}"/>
-    <dgm:cxn modelId="{D65DDA42-8389-4450-ACD3-52CA9E85DA06}" type="presOf" srcId="{D713A896-C800-4767-BCF4-250B74BFE287}" destId="{6964D6A1-E792-44B3-AB7F-2397726D3B06}" srcOrd="0" destOrd="0" presId="urn:microsoft.com/office/officeart/2005/8/layout/default"/>
-    <dgm:cxn modelId="{2920C831-120C-415C-86D3-4733D844F87A}" type="presOf" srcId="{C3B869C8-A579-425E-972C-4532C2292132}" destId="{9819DFBF-81B3-4160-BE70-BC7079EE050B}" srcOrd="0" destOrd="0" presId="urn:microsoft.com/office/officeart/2005/8/layout/default"/>
-    <dgm:cxn modelId="{859BB14E-C257-4C67-BE87-051FFCD768BE}" type="presOf" srcId="{F3FE226E-91B4-48E1-A894-2F3B67945EDA}" destId="{23911CC9-8396-4598-B89C-77E0AB85EE67}" srcOrd="0" destOrd="0" presId="urn:microsoft.com/office/officeart/2005/8/layout/default"/>
-    <dgm:cxn modelId="{23C4E23F-A514-4B16-9C07-67EBF02DFA9F}" srcId="{2021F988-A031-48B6-8708-4AD3866F56BD}" destId="{D713A896-C800-4767-BCF4-250B74BFE287}" srcOrd="2" destOrd="0" parTransId="{ECCF7CF5-3D8D-4C8C-BCB4-61B0FD75E444}" sibTransId="{49B4569E-2EEC-497C-B0B4-62A395538EFF}"/>
     <dgm:cxn modelId="{43EACE9E-1446-4B98-BD9B-C9C3906C01B5}" type="presParOf" srcId="{C49AF279-256D-4278-91E4-6671946DD2C1}" destId="{23911CC9-8396-4598-B89C-77E0AB85EE67}" srcOrd="0" destOrd="0" presId="urn:microsoft.com/office/officeart/2005/8/layout/default"/>
     <dgm:cxn modelId="{9BB35F66-6517-4E4B-894E-F359D001B631}" type="presParOf" srcId="{C49AF279-256D-4278-91E4-6671946DD2C1}" destId="{804DF300-EAA3-4981-9B44-AF867F911989}" srcOrd="1" destOrd="0" presId="urn:microsoft.com/office/officeart/2005/8/layout/default"/>
     <dgm:cxn modelId="{1E73BE4A-948E-4996-9C86-10E053E08D04}" type="presParOf" srcId="{C49AF279-256D-4278-91E4-6671946DD2C1}" destId="{ABF9D246-CB04-41BD-B50F-41F3D9A70330}" srcOrd="2" destOrd="0" presId="urn:microsoft.com/office/officeart/2005/8/layout/default"/>
@@ -3486,7 +3556,7 @@
           <a:p>
             <a:fld id="{19409AA3-5EDC-44D7-B33E-BA95AE570014}" type="datetimeFigureOut">
               <a:rPr lang="id-ID" smtClean="0"/>
-              <a:t>17/01/2017</a:t>
+              <a:t>25/01/2017</a:t>
             </a:fld>
             <a:endParaRPr lang="id-ID"/>
           </a:p>
@@ -3656,7 +3726,7 @@
           <a:p>
             <a:fld id="{19409AA3-5EDC-44D7-B33E-BA95AE570014}" type="datetimeFigureOut">
               <a:rPr lang="id-ID" smtClean="0"/>
-              <a:t>17/01/2017</a:t>
+              <a:t>25/01/2017</a:t>
             </a:fld>
             <a:endParaRPr lang="id-ID"/>
           </a:p>
@@ -3836,7 +3906,7 @@
           <a:p>
             <a:fld id="{19409AA3-5EDC-44D7-B33E-BA95AE570014}" type="datetimeFigureOut">
               <a:rPr lang="id-ID" smtClean="0"/>
-              <a:t>17/01/2017</a:t>
+              <a:t>25/01/2017</a:t>
             </a:fld>
             <a:endParaRPr lang="id-ID"/>
           </a:p>
@@ -4006,7 +4076,7 @@
           <a:p>
             <a:fld id="{19409AA3-5EDC-44D7-B33E-BA95AE570014}" type="datetimeFigureOut">
               <a:rPr lang="id-ID" smtClean="0"/>
-              <a:t>17/01/2017</a:t>
+              <a:t>25/01/2017</a:t>
             </a:fld>
             <a:endParaRPr lang="id-ID"/>
           </a:p>
@@ -4252,7 +4322,7 @@
           <a:p>
             <a:fld id="{19409AA3-5EDC-44D7-B33E-BA95AE570014}" type="datetimeFigureOut">
               <a:rPr lang="id-ID" smtClean="0"/>
-              <a:t>17/01/2017</a:t>
+              <a:t>25/01/2017</a:t>
             </a:fld>
             <a:endParaRPr lang="id-ID"/>
           </a:p>
@@ -4484,7 +4554,7 @@
           <a:p>
             <a:fld id="{19409AA3-5EDC-44D7-B33E-BA95AE570014}" type="datetimeFigureOut">
               <a:rPr lang="id-ID" smtClean="0"/>
-              <a:t>17/01/2017</a:t>
+              <a:t>25/01/2017</a:t>
             </a:fld>
             <a:endParaRPr lang="id-ID"/>
           </a:p>
@@ -4851,7 +4921,7 @@
           <a:p>
             <a:fld id="{19409AA3-5EDC-44D7-B33E-BA95AE570014}" type="datetimeFigureOut">
               <a:rPr lang="id-ID" smtClean="0"/>
-              <a:t>17/01/2017</a:t>
+              <a:t>25/01/2017</a:t>
             </a:fld>
             <a:endParaRPr lang="id-ID"/>
           </a:p>
@@ -4969,7 +5039,7 @@
           <a:p>
             <a:fld id="{19409AA3-5EDC-44D7-B33E-BA95AE570014}" type="datetimeFigureOut">
               <a:rPr lang="id-ID" smtClean="0"/>
-              <a:t>17/01/2017</a:t>
+              <a:t>25/01/2017</a:t>
             </a:fld>
             <a:endParaRPr lang="id-ID"/>
           </a:p>
@@ -5064,7 +5134,7 @@
           <a:p>
             <a:fld id="{19409AA3-5EDC-44D7-B33E-BA95AE570014}" type="datetimeFigureOut">
               <a:rPr lang="id-ID" smtClean="0"/>
-              <a:t>17/01/2017</a:t>
+              <a:t>25/01/2017</a:t>
             </a:fld>
             <a:endParaRPr lang="id-ID"/>
           </a:p>
@@ -5341,7 +5411,7 @@
           <a:p>
             <a:fld id="{19409AA3-5EDC-44D7-B33E-BA95AE570014}" type="datetimeFigureOut">
               <a:rPr lang="id-ID" smtClean="0"/>
-              <a:t>17/01/2017</a:t>
+              <a:t>25/01/2017</a:t>
             </a:fld>
             <a:endParaRPr lang="id-ID"/>
           </a:p>
@@ -5594,7 +5664,7 @@
           <a:p>
             <a:fld id="{19409AA3-5EDC-44D7-B33E-BA95AE570014}" type="datetimeFigureOut">
               <a:rPr lang="id-ID" smtClean="0"/>
-              <a:t>17/01/2017</a:t>
+              <a:t>25/01/2017</a:t>
             </a:fld>
             <a:endParaRPr lang="id-ID"/>
           </a:p>
@@ -5807,7 +5877,7 @@
           <a:p>
             <a:fld id="{19409AA3-5EDC-44D7-B33E-BA95AE570014}" type="datetimeFigureOut">
               <a:rPr lang="id-ID" smtClean="0"/>
-              <a:t>17/01/2017</a:t>
+              <a:t>25/01/2017</a:t>
             </a:fld>
             <a:endParaRPr lang="id-ID"/>
           </a:p>
@@ -6546,6 +6616,166 @@
 </p:sld>
 </file>
 
+<file path=ppt/slides/slide3.xml><?xml version="1.0" encoding="utf-8"?>
+<p:sld xmlns:a="http://schemas.openxmlformats.org/drawingml/2006/main" xmlns:r="http://schemas.openxmlformats.org/officeDocument/2006/relationships" xmlns:p="http://schemas.openxmlformats.org/presentationml/2006/main">
+  <p:cSld>
+    <p:spTree>
+      <p:nvGrpSpPr>
+        <p:cNvPr id="1" name=""/>
+        <p:cNvGrpSpPr/>
+        <p:nvPr/>
+      </p:nvGrpSpPr>
+      <p:grpSpPr>
+        <a:xfrm>
+          <a:off x="0" y="0"/>
+          <a:ext cx="0" cy="0"/>
+          <a:chOff x="0" y="0"/>
+          <a:chExt cx="0" cy="0"/>
+        </a:xfrm>
+      </p:grpSpPr>
+      <p:sp>
+        <p:nvSpPr>
+          <p:cNvPr id="2" name="Title 1"/>
+          <p:cNvSpPr>
+            <a:spLocks noGrp="1"/>
+          </p:cNvSpPr>
+          <p:nvPr>
+            <p:ph type="title"/>
+          </p:nvPr>
+        </p:nvSpPr>
+        <p:spPr/>
+        <p:txBody>
+          <a:bodyPr/>
+          <a:lstStyle/>
+          <a:p>
+            <a:r>
+              <a:rPr lang="id-ID" dirty="0" smtClean="0"/>
+              <a:t>UTS</a:t>
+            </a:r>
+            <a:endParaRPr lang="id-ID" dirty="0"/>
+          </a:p>
+        </p:txBody>
+      </p:sp>
+      <p:sp>
+        <p:nvSpPr>
+          <p:cNvPr id="3" name="Content Placeholder 2"/>
+          <p:cNvSpPr>
+            <a:spLocks noGrp="1"/>
+          </p:cNvSpPr>
+          <p:nvPr>
+            <p:ph idx="1"/>
+          </p:nvPr>
+        </p:nvSpPr>
+        <p:spPr/>
+        <p:txBody>
+          <a:bodyPr/>
+          <a:lstStyle/>
+          <a:p>
+            <a:r>
+              <a:rPr lang="id-ID" dirty="0" smtClean="0"/>
+              <a:t>Usulkan sebuah </a:t>
+            </a:r>
+            <a:r>
+              <a:rPr lang="id-ID" b="1" dirty="0" smtClean="0"/>
+              <a:t>STUDI KASUS</a:t>
+            </a:r>
+            <a:r>
+              <a:rPr lang="id-ID" dirty="0" smtClean="0"/>
+              <a:t> terkait penerapan/pemanfaatan AI di kehidupan sehari-hari</a:t>
+            </a:r>
+            <a:endParaRPr lang="id-ID" dirty="0"/>
+          </a:p>
+        </p:txBody>
+      </p:sp>
+    </p:spTree>
+    <p:extLst>
+      <p:ext uri="{BB962C8B-B14F-4D97-AF65-F5344CB8AC3E}">
+        <p14:creationId xmlns:p14="http://schemas.microsoft.com/office/powerpoint/2010/main" val="526768922"/>
+      </p:ext>
+    </p:extLst>
+  </p:cSld>
+  <p:clrMapOvr>
+    <a:masterClrMapping/>
+  </p:clrMapOvr>
+</p:sld>
+</file>
+
+<file path=ppt/slides/slide4.xml><?xml version="1.0" encoding="utf-8"?>
+<p:sld xmlns:a="http://schemas.openxmlformats.org/drawingml/2006/main" xmlns:r="http://schemas.openxmlformats.org/officeDocument/2006/relationships" xmlns:p="http://schemas.openxmlformats.org/presentationml/2006/main">
+  <p:cSld>
+    <p:spTree>
+      <p:nvGrpSpPr>
+        <p:cNvPr id="1" name=""/>
+        <p:cNvGrpSpPr/>
+        <p:nvPr/>
+      </p:nvGrpSpPr>
+      <p:grpSpPr>
+        <a:xfrm>
+          <a:off x="0" y="0"/>
+          <a:ext cx="0" cy="0"/>
+          <a:chOff x="0" y="0"/>
+          <a:chExt cx="0" cy="0"/>
+        </a:xfrm>
+      </p:grpSpPr>
+      <p:sp>
+        <p:nvSpPr>
+          <p:cNvPr id="2" name="Title 1"/>
+          <p:cNvSpPr>
+            <a:spLocks noGrp="1"/>
+          </p:cNvSpPr>
+          <p:nvPr>
+            <p:ph type="title"/>
+          </p:nvPr>
+        </p:nvSpPr>
+        <p:spPr/>
+        <p:txBody>
+          <a:bodyPr/>
+          <a:lstStyle/>
+          <a:p>
+            <a:r>
+              <a:rPr lang="id-ID" dirty="0" smtClean="0"/>
+              <a:t>UAS</a:t>
+            </a:r>
+            <a:endParaRPr lang="id-ID" dirty="0"/>
+          </a:p>
+        </p:txBody>
+      </p:sp>
+      <p:sp>
+        <p:nvSpPr>
+          <p:cNvPr id="3" name="Content Placeholder 2"/>
+          <p:cNvSpPr>
+            <a:spLocks noGrp="1"/>
+          </p:cNvSpPr>
+          <p:nvPr>
+            <p:ph idx="1"/>
+          </p:nvPr>
+        </p:nvSpPr>
+        <p:spPr/>
+        <p:txBody>
+          <a:bodyPr/>
+          <a:lstStyle/>
+          <a:p>
+            <a:r>
+              <a:rPr lang="id-ID" dirty="0" smtClean="0"/>
+              <a:t>Berdasarkan usulan studi kasus di UTS terkait pemanfaatan AI, jabarkan secara lebih mendalam lagi dengan membuat kajian dari artikel-artikel ilmiah terkait</a:t>
+            </a:r>
+            <a:endParaRPr lang="id-ID" dirty="0"/>
+          </a:p>
+        </p:txBody>
+      </p:sp>
+    </p:spTree>
+    <p:extLst>
+      <p:ext uri="{BB962C8B-B14F-4D97-AF65-F5344CB8AC3E}">
+        <p14:creationId xmlns:p14="http://schemas.microsoft.com/office/powerpoint/2010/main" val="2529639484"/>
+      </p:ext>
+    </p:extLst>
+  </p:cSld>
+  <p:clrMapOvr>
+    <a:masterClrMapping/>
+  </p:clrMapOvr>
+</p:sld>
+</file>
+
 <file path=ppt/theme/theme1.xml><?xml version="1.0" encoding="utf-8"?>
 <a:theme xmlns:a="http://schemas.openxmlformats.org/drawingml/2006/main" name="Office Theme">
   <a:themeElements>
